--- a/ppt 16-9/1201.神的福音.pptx
+++ b/ppt 16-9/1201.神的福音.pptx
@@ -5,7 +5,7 @@
     <p:sldMasterId id="2147483648" r:id="rId1"/>
   </p:sldMasterIdLst>
   <p:sldIdLst>
-    <p:sldId id="727" r:id="rId2"/>
+    <p:sldId id="728" r:id="rId2"/>
   </p:sldIdLst>
   <p:sldSz cx="12192000" cy="6858000"/>
   <p:notesSz cx="6858000" cy="9144000"/>
@@ -129,7 +129,7 @@
           <p:cNvPr id="2" name="标题 1">
             <a:extLst>
               <a:ext uri="{FF2B5EF4-FFF2-40B4-BE49-F238E27FC236}">
-                <a16:creationId xmlns:a16="http://schemas.microsoft.com/office/drawing/2014/main" id="{88FBF2A7-29C2-782B-D2B1-A52E174DF768}"/>
+                <a16:creationId xmlns:a16="http://schemas.microsoft.com/office/drawing/2014/main" id="{1E37FDC2-03DC-3735-B06B-FD6D21102AC3}"/>
               </a:ext>
             </a:extLst>
           </p:cNvPr>
@@ -166,7 +166,7 @@
           <p:cNvPr id="3" name="副标题 2">
             <a:extLst>
               <a:ext uri="{FF2B5EF4-FFF2-40B4-BE49-F238E27FC236}">
-                <a16:creationId xmlns:a16="http://schemas.microsoft.com/office/drawing/2014/main" id="{AEEEE651-C1B8-5671-A91D-D5238C6CBACC}"/>
+                <a16:creationId xmlns:a16="http://schemas.microsoft.com/office/drawing/2014/main" id="{40851C33-657B-0752-0184-01F75560626C}"/>
               </a:ext>
             </a:extLst>
           </p:cNvPr>
@@ -236,7 +236,7 @@
           <p:cNvPr id="4" name="日期占位符 3">
             <a:extLst>
               <a:ext uri="{FF2B5EF4-FFF2-40B4-BE49-F238E27FC236}">
-                <a16:creationId xmlns:a16="http://schemas.microsoft.com/office/drawing/2014/main" id="{CB703AFC-1ED5-8D97-2582-4E64C19F3E64}"/>
+                <a16:creationId xmlns:a16="http://schemas.microsoft.com/office/drawing/2014/main" id="{E7BEB210-0D24-8001-5811-5DDF5D56DC35}"/>
               </a:ext>
             </a:extLst>
           </p:cNvPr>
@@ -252,7 +252,7 @@
           <a:bodyPr/>
           <a:lstStyle/>
           <a:p>
-            <a:fld id="{B72B399C-5F94-4303-B334-330DAFE57C67}" type="datetimeFigureOut">
+            <a:fld id="{3C1A58A6-CC5D-49DB-A665-FA1804817AFA}" type="datetimeFigureOut">
               <a:rPr lang="zh-CN" altLang="en-US" smtClean="0"/>
               <a:t>2024/3/10</a:t>
             </a:fld>
@@ -265,7 +265,7 @@
           <p:cNvPr id="5" name="页脚占位符 4">
             <a:extLst>
               <a:ext uri="{FF2B5EF4-FFF2-40B4-BE49-F238E27FC236}">
-                <a16:creationId xmlns:a16="http://schemas.microsoft.com/office/drawing/2014/main" id="{099DC2C6-F038-D5C9-F29D-E49D72E918E2}"/>
+                <a16:creationId xmlns:a16="http://schemas.microsoft.com/office/drawing/2014/main" id="{FF47A502-625E-AC71-C677-F74A035C7F70}"/>
               </a:ext>
             </a:extLst>
           </p:cNvPr>
@@ -290,7 +290,7 @@
           <p:cNvPr id="6" name="灯片编号占位符 5">
             <a:extLst>
               <a:ext uri="{FF2B5EF4-FFF2-40B4-BE49-F238E27FC236}">
-                <a16:creationId xmlns:a16="http://schemas.microsoft.com/office/drawing/2014/main" id="{1EBBA697-81F5-2239-40DA-90AD69314FF7}"/>
+                <a16:creationId xmlns:a16="http://schemas.microsoft.com/office/drawing/2014/main" id="{E34516C2-5BF9-C24C-B03C-17902732C1A4}"/>
               </a:ext>
             </a:extLst>
           </p:cNvPr>
@@ -306,7 +306,7 @@
           <a:bodyPr/>
           <a:lstStyle/>
           <a:p>
-            <a:fld id="{33B01DED-FC3C-43EF-8FAE-AC6BC0A7C221}" type="slidenum">
+            <a:fld id="{6E835FEF-F5B6-4A4A-83B4-369FFE0A51BD}" type="slidenum">
               <a:rPr lang="zh-CN" altLang="en-US" smtClean="0"/>
               <a:t>‹#›</a:t>
             </a:fld>
@@ -317,7 +317,7 @@
     </p:spTree>
     <p:extLst>
       <p:ext uri="{BB962C8B-B14F-4D97-AF65-F5344CB8AC3E}">
-        <p14:creationId xmlns:p14="http://schemas.microsoft.com/office/powerpoint/2010/main" val="3100622069"/>
+        <p14:creationId xmlns:p14="http://schemas.microsoft.com/office/powerpoint/2010/main" val="3177521610"/>
       </p:ext>
     </p:extLst>
   </p:cSld>
@@ -349,7 +349,7 @@
           <p:cNvPr id="2" name="标题 1">
             <a:extLst>
               <a:ext uri="{FF2B5EF4-FFF2-40B4-BE49-F238E27FC236}">
-                <a16:creationId xmlns:a16="http://schemas.microsoft.com/office/drawing/2014/main" id="{26120B01-334C-232C-99AF-8C08E4D29E8D}"/>
+                <a16:creationId xmlns:a16="http://schemas.microsoft.com/office/drawing/2014/main" id="{002DAFAF-604F-25CC-C8DD-7DE1E9A7278E}"/>
               </a:ext>
             </a:extLst>
           </p:cNvPr>
@@ -377,7 +377,7 @@
           <p:cNvPr id="3" name="竖排文字占位符 2">
             <a:extLst>
               <a:ext uri="{FF2B5EF4-FFF2-40B4-BE49-F238E27FC236}">
-                <a16:creationId xmlns:a16="http://schemas.microsoft.com/office/drawing/2014/main" id="{B1D55CAE-445B-3064-FFCD-DD0956D30A81}"/>
+                <a16:creationId xmlns:a16="http://schemas.microsoft.com/office/drawing/2014/main" id="{47D98044-8317-0A80-7144-44E1481BD244}"/>
               </a:ext>
             </a:extLst>
           </p:cNvPr>
@@ -434,7 +434,7 @@
           <p:cNvPr id="4" name="日期占位符 3">
             <a:extLst>
               <a:ext uri="{FF2B5EF4-FFF2-40B4-BE49-F238E27FC236}">
-                <a16:creationId xmlns:a16="http://schemas.microsoft.com/office/drawing/2014/main" id="{EA3814C9-0CF3-FDB1-3380-A72610D6D2E1}"/>
+                <a16:creationId xmlns:a16="http://schemas.microsoft.com/office/drawing/2014/main" id="{65778900-2D04-3971-939E-94C3BACE4895}"/>
               </a:ext>
             </a:extLst>
           </p:cNvPr>
@@ -450,7 +450,7 @@
           <a:bodyPr/>
           <a:lstStyle/>
           <a:p>
-            <a:fld id="{B72B399C-5F94-4303-B334-330DAFE57C67}" type="datetimeFigureOut">
+            <a:fld id="{3C1A58A6-CC5D-49DB-A665-FA1804817AFA}" type="datetimeFigureOut">
               <a:rPr lang="zh-CN" altLang="en-US" smtClean="0"/>
               <a:t>2024/3/10</a:t>
             </a:fld>
@@ -463,7 +463,7 @@
           <p:cNvPr id="5" name="页脚占位符 4">
             <a:extLst>
               <a:ext uri="{FF2B5EF4-FFF2-40B4-BE49-F238E27FC236}">
-                <a16:creationId xmlns:a16="http://schemas.microsoft.com/office/drawing/2014/main" id="{DDF192CE-7DED-6C41-D920-02F96E2684C1}"/>
+                <a16:creationId xmlns:a16="http://schemas.microsoft.com/office/drawing/2014/main" id="{478E56BB-0501-B114-1FD3-B4C7D589DE4D}"/>
               </a:ext>
             </a:extLst>
           </p:cNvPr>
@@ -488,7 +488,7 @@
           <p:cNvPr id="6" name="灯片编号占位符 5">
             <a:extLst>
               <a:ext uri="{FF2B5EF4-FFF2-40B4-BE49-F238E27FC236}">
-                <a16:creationId xmlns:a16="http://schemas.microsoft.com/office/drawing/2014/main" id="{B6AB23B2-BD9E-8060-1A18-013E9AE6A9E6}"/>
+                <a16:creationId xmlns:a16="http://schemas.microsoft.com/office/drawing/2014/main" id="{32623573-8E17-0779-88C3-4ACA141C741B}"/>
               </a:ext>
             </a:extLst>
           </p:cNvPr>
@@ -504,7 +504,7 @@
           <a:bodyPr/>
           <a:lstStyle/>
           <a:p>
-            <a:fld id="{33B01DED-FC3C-43EF-8FAE-AC6BC0A7C221}" type="slidenum">
+            <a:fld id="{6E835FEF-F5B6-4A4A-83B4-369FFE0A51BD}" type="slidenum">
               <a:rPr lang="zh-CN" altLang="en-US" smtClean="0"/>
               <a:t>‹#›</a:t>
             </a:fld>
@@ -515,7 +515,7 @@
     </p:spTree>
     <p:extLst>
       <p:ext uri="{BB962C8B-B14F-4D97-AF65-F5344CB8AC3E}">
-        <p14:creationId xmlns:p14="http://schemas.microsoft.com/office/powerpoint/2010/main" val="3040104878"/>
+        <p14:creationId xmlns:p14="http://schemas.microsoft.com/office/powerpoint/2010/main" val="698364548"/>
       </p:ext>
     </p:extLst>
   </p:cSld>
@@ -547,7 +547,7 @@
           <p:cNvPr id="2" name="竖排标题 1">
             <a:extLst>
               <a:ext uri="{FF2B5EF4-FFF2-40B4-BE49-F238E27FC236}">
-                <a16:creationId xmlns:a16="http://schemas.microsoft.com/office/drawing/2014/main" id="{F498095D-795E-C15B-6B61-B6B6E72719FC}"/>
+                <a16:creationId xmlns:a16="http://schemas.microsoft.com/office/drawing/2014/main" id="{A0313BAC-D397-CEA4-8B03-11FEF8869A33}"/>
               </a:ext>
             </a:extLst>
           </p:cNvPr>
@@ -580,7 +580,7 @@
           <p:cNvPr id="3" name="竖排文字占位符 2">
             <a:extLst>
               <a:ext uri="{FF2B5EF4-FFF2-40B4-BE49-F238E27FC236}">
-                <a16:creationId xmlns:a16="http://schemas.microsoft.com/office/drawing/2014/main" id="{20C8A6D1-0AED-E718-58EB-60F2E2D5B254}"/>
+                <a16:creationId xmlns:a16="http://schemas.microsoft.com/office/drawing/2014/main" id="{F6416711-5728-99C3-E34B-608B40FE9545}"/>
               </a:ext>
             </a:extLst>
           </p:cNvPr>
@@ -642,7 +642,7 @@
           <p:cNvPr id="4" name="日期占位符 3">
             <a:extLst>
               <a:ext uri="{FF2B5EF4-FFF2-40B4-BE49-F238E27FC236}">
-                <a16:creationId xmlns:a16="http://schemas.microsoft.com/office/drawing/2014/main" id="{EBE455F2-0655-9528-BEA9-70760EBB522E}"/>
+                <a16:creationId xmlns:a16="http://schemas.microsoft.com/office/drawing/2014/main" id="{5A37B17A-8A50-4074-7724-AF957316FD05}"/>
               </a:ext>
             </a:extLst>
           </p:cNvPr>
@@ -658,7 +658,7 @@
           <a:bodyPr/>
           <a:lstStyle/>
           <a:p>
-            <a:fld id="{B72B399C-5F94-4303-B334-330DAFE57C67}" type="datetimeFigureOut">
+            <a:fld id="{3C1A58A6-CC5D-49DB-A665-FA1804817AFA}" type="datetimeFigureOut">
               <a:rPr lang="zh-CN" altLang="en-US" smtClean="0"/>
               <a:t>2024/3/10</a:t>
             </a:fld>
@@ -671,7 +671,7 @@
           <p:cNvPr id="5" name="页脚占位符 4">
             <a:extLst>
               <a:ext uri="{FF2B5EF4-FFF2-40B4-BE49-F238E27FC236}">
-                <a16:creationId xmlns:a16="http://schemas.microsoft.com/office/drawing/2014/main" id="{407DF4F6-2716-21A5-AF76-DB002426F20A}"/>
+                <a16:creationId xmlns:a16="http://schemas.microsoft.com/office/drawing/2014/main" id="{169F9F77-F51A-23D5-0284-EAFEAE4D0858}"/>
               </a:ext>
             </a:extLst>
           </p:cNvPr>
@@ -696,7 +696,7 @@
           <p:cNvPr id="6" name="灯片编号占位符 5">
             <a:extLst>
               <a:ext uri="{FF2B5EF4-FFF2-40B4-BE49-F238E27FC236}">
-                <a16:creationId xmlns:a16="http://schemas.microsoft.com/office/drawing/2014/main" id="{FFC465FD-9559-5216-619B-8AAA0C8F2924}"/>
+                <a16:creationId xmlns:a16="http://schemas.microsoft.com/office/drawing/2014/main" id="{03570C6E-F23C-D279-C9DC-74939E570FDA}"/>
               </a:ext>
             </a:extLst>
           </p:cNvPr>
@@ -712,7 +712,7 @@
           <a:bodyPr/>
           <a:lstStyle/>
           <a:p>
-            <a:fld id="{33B01DED-FC3C-43EF-8FAE-AC6BC0A7C221}" type="slidenum">
+            <a:fld id="{6E835FEF-F5B6-4A4A-83B4-369FFE0A51BD}" type="slidenum">
               <a:rPr lang="zh-CN" altLang="en-US" smtClean="0"/>
               <a:t>‹#›</a:t>
             </a:fld>
@@ -723,7 +723,7 @@
     </p:spTree>
     <p:extLst>
       <p:ext uri="{BB962C8B-B14F-4D97-AF65-F5344CB8AC3E}">
-        <p14:creationId xmlns:p14="http://schemas.microsoft.com/office/powerpoint/2010/main" val="3516333283"/>
+        <p14:creationId xmlns:p14="http://schemas.microsoft.com/office/powerpoint/2010/main" val="1917451290"/>
       </p:ext>
     </p:extLst>
   </p:cSld>
@@ -755,7 +755,7 @@
           <p:cNvPr id="2" name="标题 1">
             <a:extLst>
               <a:ext uri="{FF2B5EF4-FFF2-40B4-BE49-F238E27FC236}">
-                <a16:creationId xmlns:a16="http://schemas.microsoft.com/office/drawing/2014/main" id="{34DCD9D2-21A0-E43F-645E-1EB249159A8D}"/>
+                <a16:creationId xmlns:a16="http://schemas.microsoft.com/office/drawing/2014/main" id="{19F6CB4B-A48F-666C-65BF-80E039683921}"/>
               </a:ext>
             </a:extLst>
           </p:cNvPr>
@@ -783,7 +783,7 @@
           <p:cNvPr id="3" name="内容占位符 2">
             <a:extLst>
               <a:ext uri="{FF2B5EF4-FFF2-40B4-BE49-F238E27FC236}">
-                <a16:creationId xmlns:a16="http://schemas.microsoft.com/office/drawing/2014/main" id="{7045F24A-48AE-EAF1-2766-BF25E23224A4}"/>
+                <a16:creationId xmlns:a16="http://schemas.microsoft.com/office/drawing/2014/main" id="{A9085209-789A-9542-4521-35F8B21DB85E}"/>
               </a:ext>
             </a:extLst>
           </p:cNvPr>
@@ -840,7 +840,7 @@
           <p:cNvPr id="4" name="日期占位符 3">
             <a:extLst>
               <a:ext uri="{FF2B5EF4-FFF2-40B4-BE49-F238E27FC236}">
-                <a16:creationId xmlns:a16="http://schemas.microsoft.com/office/drawing/2014/main" id="{16C86DBD-9588-58A8-08C0-5F5AC1CF4E8F}"/>
+                <a16:creationId xmlns:a16="http://schemas.microsoft.com/office/drawing/2014/main" id="{44E66070-E534-FC57-CB3A-18F65348291A}"/>
               </a:ext>
             </a:extLst>
           </p:cNvPr>
@@ -856,7 +856,7 @@
           <a:bodyPr/>
           <a:lstStyle/>
           <a:p>
-            <a:fld id="{B72B399C-5F94-4303-B334-330DAFE57C67}" type="datetimeFigureOut">
+            <a:fld id="{3C1A58A6-CC5D-49DB-A665-FA1804817AFA}" type="datetimeFigureOut">
               <a:rPr lang="zh-CN" altLang="en-US" smtClean="0"/>
               <a:t>2024/3/10</a:t>
             </a:fld>
@@ -869,7 +869,7 @@
           <p:cNvPr id="5" name="页脚占位符 4">
             <a:extLst>
               <a:ext uri="{FF2B5EF4-FFF2-40B4-BE49-F238E27FC236}">
-                <a16:creationId xmlns:a16="http://schemas.microsoft.com/office/drawing/2014/main" id="{1ACDF97A-38D0-01C5-0882-D151E158F5A3}"/>
+                <a16:creationId xmlns:a16="http://schemas.microsoft.com/office/drawing/2014/main" id="{B7C397F1-F2CF-782A-934C-E7871A5CA11D}"/>
               </a:ext>
             </a:extLst>
           </p:cNvPr>
@@ -894,7 +894,7 @@
           <p:cNvPr id="6" name="灯片编号占位符 5">
             <a:extLst>
               <a:ext uri="{FF2B5EF4-FFF2-40B4-BE49-F238E27FC236}">
-                <a16:creationId xmlns:a16="http://schemas.microsoft.com/office/drawing/2014/main" id="{7A90A6DE-8F10-D6D0-8214-128A5755CBD0}"/>
+                <a16:creationId xmlns:a16="http://schemas.microsoft.com/office/drawing/2014/main" id="{88054EE1-F71A-0A38-0CEC-5322EED25727}"/>
               </a:ext>
             </a:extLst>
           </p:cNvPr>
@@ -910,7 +910,7 @@
           <a:bodyPr/>
           <a:lstStyle/>
           <a:p>
-            <a:fld id="{33B01DED-FC3C-43EF-8FAE-AC6BC0A7C221}" type="slidenum">
+            <a:fld id="{6E835FEF-F5B6-4A4A-83B4-369FFE0A51BD}" type="slidenum">
               <a:rPr lang="zh-CN" altLang="en-US" smtClean="0"/>
               <a:t>‹#›</a:t>
             </a:fld>
@@ -921,7 +921,7 @@
     </p:spTree>
     <p:extLst>
       <p:ext uri="{BB962C8B-B14F-4D97-AF65-F5344CB8AC3E}">
-        <p14:creationId xmlns:p14="http://schemas.microsoft.com/office/powerpoint/2010/main" val="3736842618"/>
+        <p14:creationId xmlns:p14="http://schemas.microsoft.com/office/powerpoint/2010/main" val="3773525465"/>
       </p:ext>
     </p:extLst>
   </p:cSld>
@@ -953,7 +953,7 @@
           <p:cNvPr id="2" name="标题 1">
             <a:extLst>
               <a:ext uri="{FF2B5EF4-FFF2-40B4-BE49-F238E27FC236}">
-                <a16:creationId xmlns:a16="http://schemas.microsoft.com/office/drawing/2014/main" id="{95427081-A909-7A59-D60D-F308E11E8D33}"/>
+                <a16:creationId xmlns:a16="http://schemas.microsoft.com/office/drawing/2014/main" id="{9CE7A93E-DC67-C358-B652-6AF9C0D63514}"/>
               </a:ext>
             </a:extLst>
           </p:cNvPr>
@@ -990,7 +990,7 @@
           <p:cNvPr id="3" name="文本占位符 2">
             <a:extLst>
               <a:ext uri="{FF2B5EF4-FFF2-40B4-BE49-F238E27FC236}">
-                <a16:creationId xmlns:a16="http://schemas.microsoft.com/office/drawing/2014/main" id="{ADF4CCC7-9020-D75B-A2F0-5745496F90EC}"/>
+                <a16:creationId xmlns:a16="http://schemas.microsoft.com/office/drawing/2014/main" id="{F3F6ED42-7425-92D3-F272-DC3143F44518}"/>
               </a:ext>
             </a:extLst>
           </p:cNvPr>
@@ -1115,7 +1115,7 @@
           <p:cNvPr id="4" name="日期占位符 3">
             <a:extLst>
               <a:ext uri="{FF2B5EF4-FFF2-40B4-BE49-F238E27FC236}">
-                <a16:creationId xmlns:a16="http://schemas.microsoft.com/office/drawing/2014/main" id="{AB5F8BAA-3382-5056-FE56-97002AB7B024}"/>
+                <a16:creationId xmlns:a16="http://schemas.microsoft.com/office/drawing/2014/main" id="{74B021EA-AC8F-7B96-929B-1988825B3628}"/>
               </a:ext>
             </a:extLst>
           </p:cNvPr>
@@ -1131,7 +1131,7 @@
           <a:bodyPr/>
           <a:lstStyle/>
           <a:p>
-            <a:fld id="{B72B399C-5F94-4303-B334-330DAFE57C67}" type="datetimeFigureOut">
+            <a:fld id="{3C1A58A6-CC5D-49DB-A665-FA1804817AFA}" type="datetimeFigureOut">
               <a:rPr lang="zh-CN" altLang="en-US" smtClean="0"/>
               <a:t>2024/3/10</a:t>
             </a:fld>
@@ -1144,7 +1144,7 @@
           <p:cNvPr id="5" name="页脚占位符 4">
             <a:extLst>
               <a:ext uri="{FF2B5EF4-FFF2-40B4-BE49-F238E27FC236}">
-                <a16:creationId xmlns:a16="http://schemas.microsoft.com/office/drawing/2014/main" id="{353F02CA-F32F-EE7D-AC96-DE31BE1361B5}"/>
+                <a16:creationId xmlns:a16="http://schemas.microsoft.com/office/drawing/2014/main" id="{ECB7D11D-EB6D-758E-22E0-F533E739AEFD}"/>
               </a:ext>
             </a:extLst>
           </p:cNvPr>
@@ -1169,7 +1169,7 @@
           <p:cNvPr id="6" name="灯片编号占位符 5">
             <a:extLst>
               <a:ext uri="{FF2B5EF4-FFF2-40B4-BE49-F238E27FC236}">
-                <a16:creationId xmlns:a16="http://schemas.microsoft.com/office/drawing/2014/main" id="{0AEB625A-1FEF-42B1-5946-8733EDF73DFE}"/>
+                <a16:creationId xmlns:a16="http://schemas.microsoft.com/office/drawing/2014/main" id="{1C404F3C-785E-8EE8-D64D-844D8E771AAC}"/>
               </a:ext>
             </a:extLst>
           </p:cNvPr>
@@ -1185,7 +1185,7 @@
           <a:bodyPr/>
           <a:lstStyle/>
           <a:p>
-            <a:fld id="{33B01DED-FC3C-43EF-8FAE-AC6BC0A7C221}" type="slidenum">
+            <a:fld id="{6E835FEF-F5B6-4A4A-83B4-369FFE0A51BD}" type="slidenum">
               <a:rPr lang="zh-CN" altLang="en-US" smtClean="0"/>
               <a:t>‹#›</a:t>
             </a:fld>
@@ -1196,7 +1196,7 @@
     </p:spTree>
     <p:extLst>
       <p:ext uri="{BB962C8B-B14F-4D97-AF65-F5344CB8AC3E}">
-        <p14:creationId xmlns:p14="http://schemas.microsoft.com/office/powerpoint/2010/main" val="1575765795"/>
+        <p14:creationId xmlns:p14="http://schemas.microsoft.com/office/powerpoint/2010/main" val="839292372"/>
       </p:ext>
     </p:extLst>
   </p:cSld>
@@ -1228,7 +1228,7 @@
           <p:cNvPr id="2" name="标题 1">
             <a:extLst>
               <a:ext uri="{FF2B5EF4-FFF2-40B4-BE49-F238E27FC236}">
-                <a16:creationId xmlns:a16="http://schemas.microsoft.com/office/drawing/2014/main" id="{2A224A73-1691-8890-F88E-0201FE56B4E1}"/>
+                <a16:creationId xmlns:a16="http://schemas.microsoft.com/office/drawing/2014/main" id="{E35125A5-8810-EB32-08A6-C4A87F28E93A}"/>
               </a:ext>
             </a:extLst>
           </p:cNvPr>
@@ -1256,7 +1256,7 @@
           <p:cNvPr id="3" name="内容占位符 2">
             <a:extLst>
               <a:ext uri="{FF2B5EF4-FFF2-40B4-BE49-F238E27FC236}">
-                <a16:creationId xmlns:a16="http://schemas.microsoft.com/office/drawing/2014/main" id="{074777CA-81B9-823F-AD00-B6CA91A19B0C}"/>
+                <a16:creationId xmlns:a16="http://schemas.microsoft.com/office/drawing/2014/main" id="{0B57DE66-73A4-5F5D-2E0A-21405DD8663B}"/>
               </a:ext>
             </a:extLst>
           </p:cNvPr>
@@ -1318,7 +1318,7 @@
           <p:cNvPr id="4" name="内容占位符 3">
             <a:extLst>
               <a:ext uri="{FF2B5EF4-FFF2-40B4-BE49-F238E27FC236}">
-                <a16:creationId xmlns:a16="http://schemas.microsoft.com/office/drawing/2014/main" id="{C405F2C5-CF5A-4EDC-702F-F9877F60E909}"/>
+                <a16:creationId xmlns:a16="http://schemas.microsoft.com/office/drawing/2014/main" id="{EDAA5539-5AE6-58A0-C8CC-26086F3ED424}"/>
               </a:ext>
             </a:extLst>
           </p:cNvPr>
@@ -1380,7 +1380,7 @@
           <p:cNvPr id="5" name="日期占位符 4">
             <a:extLst>
               <a:ext uri="{FF2B5EF4-FFF2-40B4-BE49-F238E27FC236}">
-                <a16:creationId xmlns:a16="http://schemas.microsoft.com/office/drawing/2014/main" id="{BD0CA4A7-0CAA-028B-AA8A-EAE0B0C80DA0}"/>
+                <a16:creationId xmlns:a16="http://schemas.microsoft.com/office/drawing/2014/main" id="{5BF768CF-FA0C-A286-4061-911807066BB6}"/>
               </a:ext>
             </a:extLst>
           </p:cNvPr>
@@ -1396,7 +1396,7 @@
           <a:bodyPr/>
           <a:lstStyle/>
           <a:p>
-            <a:fld id="{B72B399C-5F94-4303-B334-330DAFE57C67}" type="datetimeFigureOut">
+            <a:fld id="{3C1A58A6-CC5D-49DB-A665-FA1804817AFA}" type="datetimeFigureOut">
               <a:rPr lang="zh-CN" altLang="en-US" smtClean="0"/>
               <a:t>2024/3/10</a:t>
             </a:fld>
@@ -1409,7 +1409,7 @@
           <p:cNvPr id="6" name="页脚占位符 5">
             <a:extLst>
               <a:ext uri="{FF2B5EF4-FFF2-40B4-BE49-F238E27FC236}">
-                <a16:creationId xmlns:a16="http://schemas.microsoft.com/office/drawing/2014/main" id="{2CE1373F-326A-B7AF-9FA3-7E614FF7E4EC}"/>
+                <a16:creationId xmlns:a16="http://schemas.microsoft.com/office/drawing/2014/main" id="{7AF9C63E-01CD-9205-B286-C5712FBBCE86}"/>
               </a:ext>
             </a:extLst>
           </p:cNvPr>
@@ -1434,7 +1434,7 @@
           <p:cNvPr id="7" name="灯片编号占位符 6">
             <a:extLst>
               <a:ext uri="{FF2B5EF4-FFF2-40B4-BE49-F238E27FC236}">
-                <a16:creationId xmlns:a16="http://schemas.microsoft.com/office/drawing/2014/main" id="{94FBE158-6A1C-C315-18EE-94BBA131DCED}"/>
+                <a16:creationId xmlns:a16="http://schemas.microsoft.com/office/drawing/2014/main" id="{0FED4575-DAEA-E734-F40D-2C5A9FB61985}"/>
               </a:ext>
             </a:extLst>
           </p:cNvPr>
@@ -1450,7 +1450,7 @@
           <a:bodyPr/>
           <a:lstStyle/>
           <a:p>
-            <a:fld id="{33B01DED-FC3C-43EF-8FAE-AC6BC0A7C221}" type="slidenum">
+            <a:fld id="{6E835FEF-F5B6-4A4A-83B4-369FFE0A51BD}" type="slidenum">
               <a:rPr lang="zh-CN" altLang="en-US" smtClean="0"/>
               <a:t>‹#›</a:t>
             </a:fld>
@@ -1461,7 +1461,7 @@
     </p:spTree>
     <p:extLst>
       <p:ext uri="{BB962C8B-B14F-4D97-AF65-F5344CB8AC3E}">
-        <p14:creationId xmlns:p14="http://schemas.microsoft.com/office/powerpoint/2010/main" val="38546583"/>
+        <p14:creationId xmlns:p14="http://schemas.microsoft.com/office/powerpoint/2010/main" val="350709482"/>
       </p:ext>
     </p:extLst>
   </p:cSld>
@@ -1493,7 +1493,7 @@
           <p:cNvPr id="2" name="标题 1">
             <a:extLst>
               <a:ext uri="{FF2B5EF4-FFF2-40B4-BE49-F238E27FC236}">
-                <a16:creationId xmlns:a16="http://schemas.microsoft.com/office/drawing/2014/main" id="{5F766635-586F-8FDA-F4FE-10831A0E7EF1}"/>
+                <a16:creationId xmlns:a16="http://schemas.microsoft.com/office/drawing/2014/main" id="{90A1070A-48FD-8732-9758-761BF5A8FA1C}"/>
               </a:ext>
             </a:extLst>
           </p:cNvPr>
@@ -1526,7 +1526,7 @@
           <p:cNvPr id="3" name="文本占位符 2">
             <a:extLst>
               <a:ext uri="{FF2B5EF4-FFF2-40B4-BE49-F238E27FC236}">
-                <a16:creationId xmlns:a16="http://schemas.microsoft.com/office/drawing/2014/main" id="{45A2BF18-652D-4403-DE08-1D8448C794E8}"/>
+                <a16:creationId xmlns:a16="http://schemas.microsoft.com/office/drawing/2014/main" id="{BEB90A7B-D4D5-36D1-4BAA-B93BBD8A5F33}"/>
               </a:ext>
             </a:extLst>
           </p:cNvPr>
@@ -1597,7 +1597,7 @@
           <p:cNvPr id="4" name="内容占位符 3">
             <a:extLst>
               <a:ext uri="{FF2B5EF4-FFF2-40B4-BE49-F238E27FC236}">
-                <a16:creationId xmlns:a16="http://schemas.microsoft.com/office/drawing/2014/main" id="{CD5F04F6-3D91-3729-9523-8C35FAF19D24}"/>
+                <a16:creationId xmlns:a16="http://schemas.microsoft.com/office/drawing/2014/main" id="{C6947026-CC9E-3A03-380B-A42F42112D1E}"/>
               </a:ext>
             </a:extLst>
           </p:cNvPr>
@@ -1659,7 +1659,7 @@
           <p:cNvPr id="5" name="文本占位符 4">
             <a:extLst>
               <a:ext uri="{FF2B5EF4-FFF2-40B4-BE49-F238E27FC236}">
-                <a16:creationId xmlns:a16="http://schemas.microsoft.com/office/drawing/2014/main" id="{C1733C5D-175C-6DDA-EB6B-BF958BC9F074}"/>
+                <a16:creationId xmlns:a16="http://schemas.microsoft.com/office/drawing/2014/main" id="{4B634C40-F5AD-1C67-A37C-D6FA43A68F27}"/>
               </a:ext>
             </a:extLst>
           </p:cNvPr>
@@ -1730,7 +1730,7 @@
           <p:cNvPr id="6" name="内容占位符 5">
             <a:extLst>
               <a:ext uri="{FF2B5EF4-FFF2-40B4-BE49-F238E27FC236}">
-                <a16:creationId xmlns:a16="http://schemas.microsoft.com/office/drawing/2014/main" id="{3AF989D3-2BE5-7C4D-4DDB-B71922012B1A}"/>
+                <a16:creationId xmlns:a16="http://schemas.microsoft.com/office/drawing/2014/main" id="{A13D393A-3590-839E-5498-075B2D439B2B}"/>
               </a:ext>
             </a:extLst>
           </p:cNvPr>
@@ -1792,7 +1792,7 @@
           <p:cNvPr id="7" name="日期占位符 6">
             <a:extLst>
               <a:ext uri="{FF2B5EF4-FFF2-40B4-BE49-F238E27FC236}">
-                <a16:creationId xmlns:a16="http://schemas.microsoft.com/office/drawing/2014/main" id="{60A927C4-F356-B204-998D-DC9F3844923D}"/>
+                <a16:creationId xmlns:a16="http://schemas.microsoft.com/office/drawing/2014/main" id="{963DAB64-4C6F-F3FC-39A3-6E5F22A5FAD2}"/>
               </a:ext>
             </a:extLst>
           </p:cNvPr>
@@ -1808,7 +1808,7 @@
           <a:bodyPr/>
           <a:lstStyle/>
           <a:p>
-            <a:fld id="{B72B399C-5F94-4303-B334-330DAFE57C67}" type="datetimeFigureOut">
+            <a:fld id="{3C1A58A6-CC5D-49DB-A665-FA1804817AFA}" type="datetimeFigureOut">
               <a:rPr lang="zh-CN" altLang="en-US" smtClean="0"/>
               <a:t>2024/3/10</a:t>
             </a:fld>
@@ -1821,7 +1821,7 @@
           <p:cNvPr id="8" name="页脚占位符 7">
             <a:extLst>
               <a:ext uri="{FF2B5EF4-FFF2-40B4-BE49-F238E27FC236}">
-                <a16:creationId xmlns:a16="http://schemas.microsoft.com/office/drawing/2014/main" id="{E91B915C-B27C-4109-5B2E-434DC79ECA43}"/>
+                <a16:creationId xmlns:a16="http://schemas.microsoft.com/office/drawing/2014/main" id="{B2FC5088-F063-AAF8-613C-2836BBE56FE2}"/>
               </a:ext>
             </a:extLst>
           </p:cNvPr>
@@ -1846,7 +1846,7 @@
           <p:cNvPr id="9" name="灯片编号占位符 8">
             <a:extLst>
               <a:ext uri="{FF2B5EF4-FFF2-40B4-BE49-F238E27FC236}">
-                <a16:creationId xmlns:a16="http://schemas.microsoft.com/office/drawing/2014/main" id="{8F712CBF-408D-B6BF-C7D0-94A83A157A00}"/>
+                <a16:creationId xmlns:a16="http://schemas.microsoft.com/office/drawing/2014/main" id="{096F6185-F49B-6A83-5FBE-D2E6BB551407}"/>
               </a:ext>
             </a:extLst>
           </p:cNvPr>
@@ -1862,7 +1862,7 @@
           <a:bodyPr/>
           <a:lstStyle/>
           <a:p>
-            <a:fld id="{33B01DED-FC3C-43EF-8FAE-AC6BC0A7C221}" type="slidenum">
+            <a:fld id="{6E835FEF-F5B6-4A4A-83B4-369FFE0A51BD}" type="slidenum">
               <a:rPr lang="zh-CN" altLang="en-US" smtClean="0"/>
               <a:t>‹#›</a:t>
             </a:fld>
@@ -1873,7 +1873,7 @@
     </p:spTree>
     <p:extLst>
       <p:ext uri="{BB962C8B-B14F-4D97-AF65-F5344CB8AC3E}">
-        <p14:creationId xmlns:p14="http://schemas.microsoft.com/office/powerpoint/2010/main" val="1828545590"/>
+        <p14:creationId xmlns:p14="http://schemas.microsoft.com/office/powerpoint/2010/main" val="516266723"/>
       </p:ext>
     </p:extLst>
   </p:cSld>
@@ -1905,7 +1905,7 @@
           <p:cNvPr id="2" name="标题 1">
             <a:extLst>
               <a:ext uri="{FF2B5EF4-FFF2-40B4-BE49-F238E27FC236}">
-                <a16:creationId xmlns:a16="http://schemas.microsoft.com/office/drawing/2014/main" id="{BEEEC75E-D8C0-707A-D542-9690E77D857C}"/>
+                <a16:creationId xmlns:a16="http://schemas.microsoft.com/office/drawing/2014/main" id="{3162BA02-965A-CAEC-C23E-6D7494177B62}"/>
               </a:ext>
             </a:extLst>
           </p:cNvPr>
@@ -1933,7 +1933,7 @@
           <p:cNvPr id="3" name="日期占位符 2">
             <a:extLst>
               <a:ext uri="{FF2B5EF4-FFF2-40B4-BE49-F238E27FC236}">
-                <a16:creationId xmlns:a16="http://schemas.microsoft.com/office/drawing/2014/main" id="{982A46D6-0C4A-D4F1-867B-80C5D417883D}"/>
+                <a16:creationId xmlns:a16="http://schemas.microsoft.com/office/drawing/2014/main" id="{3B031C61-B8D3-7109-1C7B-C7D732B63892}"/>
               </a:ext>
             </a:extLst>
           </p:cNvPr>
@@ -1949,7 +1949,7 @@
           <a:bodyPr/>
           <a:lstStyle/>
           <a:p>
-            <a:fld id="{B72B399C-5F94-4303-B334-330DAFE57C67}" type="datetimeFigureOut">
+            <a:fld id="{3C1A58A6-CC5D-49DB-A665-FA1804817AFA}" type="datetimeFigureOut">
               <a:rPr lang="zh-CN" altLang="en-US" smtClean="0"/>
               <a:t>2024/3/10</a:t>
             </a:fld>
@@ -1962,7 +1962,7 @@
           <p:cNvPr id="4" name="页脚占位符 3">
             <a:extLst>
               <a:ext uri="{FF2B5EF4-FFF2-40B4-BE49-F238E27FC236}">
-                <a16:creationId xmlns:a16="http://schemas.microsoft.com/office/drawing/2014/main" id="{B9824717-A883-1196-86B3-C0FFB08CEFC8}"/>
+                <a16:creationId xmlns:a16="http://schemas.microsoft.com/office/drawing/2014/main" id="{BDB51251-3F3F-BB29-7DBD-01B42211FE1A}"/>
               </a:ext>
             </a:extLst>
           </p:cNvPr>
@@ -1987,7 +1987,7 @@
           <p:cNvPr id="5" name="灯片编号占位符 4">
             <a:extLst>
               <a:ext uri="{FF2B5EF4-FFF2-40B4-BE49-F238E27FC236}">
-                <a16:creationId xmlns:a16="http://schemas.microsoft.com/office/drawing/2014/main" id="{FC87B3AC-C6C7-A84F-9DC7-6001C74C48D1}"/>
+                <a16:creationId xmlns:a16="http://schemas.microsoft.com/office/drawing/2014/main" id="{D83C6D55-05D7-D77F-200D-2DBE07F5CF59}"/>
               </a:ext>
             </a:extLst>
           </p:cNvPr>
@@ -2003,7 +2003,7 @@
           <a:bodyPr/>
           <a:lstStyle/>
           <a:p>
-            <a:fld id="{33B01DED-FC3C-43EF-8FAE-AC6BC0A7C221}" type="slidenum">
+            <a:fld id="{6E835FEF-F5B6-4A4A-83B4-369FFE0A51BD}" type="slidenum">
               <a:rPr lang="zh-CN" altLang="en-US" smtClean="0"/>
               <a:t>‹#›</a:t>
             </a:fld>
@@ -2014,7 +2014,7 @@
     </p:spTree>
     <p:extLst>
       <p:ext uri="{BB962C8B-B14F-4D97-AF65-F5344CB8AC3E}">
-        <p14:creationId xmlns:p14="http://schemas.microsoft.com/office/powerpoint/2010/main" val="571280769"/>
+        <p14:creationId xmlns:p14="http://schemas.microsoft.com/office/powerpoint/2010/main" val="3638819963"/>
       </p:ext>
     </p:extLst>
   </p:cSld>
@@ -2046,7 +2046,7 @@
           <p:cNvPr id="2" name="日期占位符 1">
             <a:extLst>
               <a:ext uri="{FF2B5EF4-FFF2-40B4-BE49-F238E27FC236}">
-                <a16:creationId xmlns:a16="http://schemas.microsoft.com/office/drawing/2014/main" id="{9FFB4026-CC24-EB6C-A9A4-94369749D85D}"/>
+                <a16:creationId xmlns:a16="http://schemas.microsoft.com/office/drawing/2014/main" id="{EC11A1CB-FC73-71D6-DF4E-E7C56730AAD9}"/>
               </a:ext>
             </a:extLst>
           </p:cNvPr>
@@ -2062,7 +2062,7 @@
           <a:bodyPr/>
           <a:lstStyle/>
           <a:p>
-            <a:fld id="{B72B399C-5F94-4303-B334-330DAFE57C67}" type="datetimeFigureOut">
+            <a:fld id="{3C1A58A6-CC5D-49DB-A665-FA1804817AFA}" type="datetimeFigureOut">
               <a:rPr lang="zh-CN" altLang="en-US" smtClean="0"/>
               <a:t>2024/3/10</a:t>
             </a:fld>
@@ -2075,7 +2075,7 @@
           <p:cNvPr id="3" name="页脚占位符 2">
             <a:extLst>
               <a:ext uri="{FF2B5EF4-FFF2-40B4-BE49-F238E27FC236}">
-                <a16:creationId xmlns:a16="http://schemas.microsoft.com/office/drawing/2014/main" id="{F92EDF93-940C-93D0-DB7F-E2F28F1F33E7}"/>
+                <a16:creationId xmlns:a16="http://schemas.microsoft.com/office/drawing/2014/main" id="{7F3F85F0-4A11-7B8C-5456-29D670E26E45}"/>
               </a:ext>
             </a:extLst>
           </p:cNvPr>
@@ -2100,7 +2100,7 @@
           <p:cNvPr id="4" name="灯片编号占位符 3">
             <a:extLst>
               <a:ext uri="{FF2B5EF4-FFF2-40B4-BE49-F238E27FC236}">
-                <a16:creationId xmlns:a16="http://schemas.microsoft.com/office/drawing/2014/main" id="{C62C5B6E-11F8-37A8-8067-FF696EF04585}"/>
+                <a16:creationId xmlns:a16="http://schemas.microsoft.com/office/drawing/2014/main" id="{292C3B0C-AB4D-EDB7-BA3B-9C12C4035572}"/>
               </a:ext>
             </a:extLst>
           </p:cNvPr>
@@ -2116,7 +2116,7 @@
           <a:bodyPr/>
           <a:lstStyle/>
           <a:p>
-            <a:fld id="{33B01DED-FC3C-43EF-8FAE-AC6BC0A7C221}" type="slidenum">
+            <a:fld id="{6E835FEF-F5B6-4A4A-83B4-369FFE0A51BD}" type="slidenum">
               <a:rPr lang="zh-CN" altLang="en-US" smtClean="0"/>
               <a:t>‹#›</a:t>
             </a:fld>
@@ -2127,7 +2127,7 @@
     </p:spTree>
     <p:extLst>
       <p:ext uri="{BB962C8B-B14F-4D97-AF65-F5344CB8AC3E}">
-        <p14:creationId xmlns:p14="http://schemas.microsoft.com/office/powerpoint/2010/main" val="1350113308"/>
+        <p14:creationId xmlns:p14="http://schemas.microsoft.com/office/powerpoint/2010/main" val="1536264538"/>
       </p:ext>
     </p:extLst>
   </p:cSld>
@@ -2159,7 +2159,7 @@
           <p:cNvPr id="2" name="标题 1">
             <a:extLst>
               <a:ext uri="{FF2B5EF4-FFF2-40B4-BE49-F238E27FC236}">
-                <a16:creationId xmlns:a16="http://schemas.microsoft.com/office/drawing/2014/main" id="{627AD855-5048-523B-27AB-D5BBB6876F47}"/>
+                <a16:creationId xmlns:a16="http://schemas.microsoft.com/office/drawing/2014/main" id="{50809DC4-C1F8-B700-6986-08541B94E8CD}"/>
               </a:ext>
             </a:extLst>
           </p:cNvPr>
@@ -2196,7 +2196,7 @@
           <p:cNvPr id="3" name="内容占位符 2">
             <a:extLst>
               <a:ext uri="{FF2B5EF4-FFF2-40B4-BE49-F238E27FC236}">
-                <a16:creationId xmlns:a16="http://schemas.microsoft.com/office/drawing/2014/main" id="{4D23DDE4-E2E4-DD6C-E9E4-66A5DBAA8584}"/>
+                <a16:creationId xmlns:a16="http://schemas.microsoft.com/office/drawing/2014/main" id="{62E1C425-7DE9-576A-CF63-700DA478A567}"/>
               </a:ext>
             </a:extLst>
           </p:cNvPr>
@@ -2286,7 +2286,7 @@
           <p:cNvPr id="4" name="文本占位符 3">
             <a:extLst>
               <a:ext uri="{FF2B5EF4-FFF2-40B4-BE49-F238E27FC236}">
-                <a16:creationId xmlns:a16="http://schemas.microsoft.com/office/drawing/2014/main" id="{37341003-82C3-3B2E-5076-7532DFF976FC}"/>
+                <a16:creationId xmlns:a16="http://schemas.microsoft.com/office/drawing/2014/main" id="{3C1E72B8-1E4C-C7BA-2F3A-B5B0B4023865}"/>
               </a:ext>
             </a:extLst>
           </p:cNvPr>
@@ -2357,7 +2357,7 @@
           <p:cNvPr id="5" name="日期占位符 4">
             <a:extLst>
               <a:ext uri="{FF2B5EF4-FFF2-40B4-BE49-F238E27FC236}">
-                <a16:creationId xmlns:a16="http://schemas.microsoft.com/office/drawing/2014/main" id="{3E444200-9F0D-28C4-D066-D56E9ED6A808}"/>
+                <a16:creationId xmlns:a16="http://schemas.microsoft.com/office/drawing/2014/main" id="{6D91AD80-C6E4-B837-9EA7-A65E72EA3077}"/>
               </a:ext>
             </a:extLst>
           </p:cNvPr>
@@ -2373,7 +2373,7 @@
           <a:bodyPr/>
           <a:lstStyle/>
           <a:p>
-            <a:fld id="{B72B399C-5F94-4303-B334-330DAFE57C67}" type="datetimeFigureOut">
+            <a:fld id="{3C1A58A6-CC5D-49DB-A665-FA1804817AFA}" type="datetimeFigureOut">
               <a:rPr lang="zh-CN" altLang="en-US" smtClean="0"/>
               <a:t>2024/3/10</a:t>
             </a:fld>
@@ -2386,7 +2386,7 @@
           <p:cNvPr id="6" name="页脚占位符 5">
             <a:extLst>
               <a:ext uri="{FF2B5EF4-FFF2-40B4-BE49-F238E27FC236}">
-                <a16:creationId xmlns:a16="http://schemas.microsoft.com/office/drawing/2014/main" id="{FDF85A37-1FF1-1E4F-A185-315C91663F3D}"/>
+                <a16:creationId xmlns:a16="http://schemas.microsoft.com/office/drawing/2014/main" id="{568720C2-C226-CA02-0CD8-206EE4535F68}"/>
               </a:ext>
             </a:extLst>
           </p:cNvPr>
@@ -2411,7 +2411,7 @@
           <p:cNvPr id="7" name="灯片编号占位符 6">
             <a:extLst>
               <a:ext uri="{FF2B5EF4-FFF2-40B4-BE49-F238E27FC236}">
-                <a16:creationId xmlns:a16="http://schemas.microsoft.com/office/drawing/2014/main" id="{15D775FD-5FB3-0979-3985-F7D42721B1CE}"/>
+                <a16:creationId xmlns:a16="http://schemas.microsoft.com/office/drawing/2014/main" id="{118E6FBC-A817-2E1A-7892-0F73C7655209}"/>
               </a:ext>
             </a:extLst>
           </p:cNvPr>
@@ -2427,7 +2427,7 @@
           <a:bodyPr/>
           <a:lstStyle/>
           <a:p>
-            <a:fld id="{33B01DED-FC3C-43EF-8FAE-AC6BC0A7C221}" type="slidenum">
+            <a:fld id="{6E835FEF-F5B6-4A4A-83B4-369FFE0A51BD}" type="slidenum">
               <a:rPr lang="zh-CN" altLang="en-US" smtClean="0"/>
               <a:t>‹#›</a:t>
             </a:fld>
@@ -2438,7 +2438,7 @@
     </p:spTree>
     <p:extLst>
       <p:ext uri="{BB962C8B-B14F-4D97-AF65-F5344CB8AC3E}">
-        <p14:creationId xmlns:p14="http://schemas.microsoft.com/office/powerpoint/2010/main" val="2936022190"/>
+        <p14:creationId xmlns:p14="http://schemas.microsoft.com/office/powerpoint/2010/main" val="1406011942"/>
       </p:ext>
     </p:extLst>
   </p:cSld>
@@ -2470,7 +2470,7 @@
           <p:cNvPr id="2" name="标题 1">
             <a:extLst>
               <a:ext uri="{FF2B5EF4-FFF2-40B4-BE49-F238E27FC236}">
-                <a16:creationId xmlns:a16="http://schemas.microsoft.com/office/drawing/2014/main" id="{A4F1C309-761A-5B63-40D7-48F55E5F63F9}"/>
+                <a16:creationId xmlns:a16="http://schemas.microsoft.com/office/drawing/2014/main" id="{CA776CD2-CD57-FB3C-8B29-ADF5291EB553}"/>
               </a:ext>
             </a:extLst>
           </p:cNvPr>
@@ -2507,7 +2507,7 @@
           <p:cNvPr id="3" name="图片占位符 2">
             <a:extLst>
               <a:ext uri="{FF2B5EF4-FFF2-40B4-BE49-F238E27FC236}">
-                <a16:creationId xmlns:a16="http://schemas.microsoft.com/office/drawing/2014/main" id="{060A4744-F6D7-6AE8-7191-D761C2C68EBD}"/>
+                <a16:creationId xmlns:a16="http://schemas.microsoft.com/office/drawing/2014/main" id="{EFDA86CA-DCC3-453C-CD68-057FFD9CB0BA}"/>
               </a:ext>
             </a:extLst>
           </p:cNvPr>
@@ -2574,7 +2574,7 @@
           <p:cNvPr id="4" name="文本占位符 3">
             <a:extLst>
               <a:ext uri="{FF2B5EF4-FFF2-40B4-BE49-F238E27FC236}">
-                <a16:creationId xmlns:a16="http://schemas.microsoft.com/office/drawing/2014/main" id="{F79EC505-0CA4-2395-4A36-91EB609CE6B1}"/>
+                <a16:creationId xmlns:a16="http://schemas.microsoft.com/office/drawing/2014/main" id="{C1BD958E-C38C-3983-7936-87ED97E74AAD}"/>
               </a:ext>
             </a:extLst>
           </p:cNvPr>
@@ -2645,7 +2645,7 @@
           <p:cNvPr id="5" name="日期占位符 4">
             <a:extLst>
               <a:ext uri="{FF2B5EF4-FFF2-40B4-BE49-F238E27FC236}">
-                <a16:creationId xmlns:a16="http://schemas.microsoft.com/office/drawing/2014/main" id="{9943AD75-4C59-9160-7836-2E13D09B7FF1}"/>
+                <a16:creationId xmlns:a16="http://schemas.microsoft.com/office/drawing/2014/main" id="{C3C589A0-C686-6057-C424-49C8B08B40DF}"/>
               </a:ext>
             </a:extLst>
           </p:cNvPr>
@@ -2661,7 +2661,7 @@
           <a:bodyPr/>
           <a:lstStyle/>
           <a:p>
-            <a:fld id="{B72B399C-5F94-4303-B334-330DAFE57C67}" type="datetimeFigureOut">
+            <a:fld id="{3C1A58A6-CC5D-49DB-A665-FA1804817AFA}" type="datetimeFigureOut">
               <a:rPr lang="zh-CN" altLang="en-US" smtClean="0"/>
               <a:t>2024/3/10</a:t>
             </a:fld>
@@ -2674,7 +2674,7 @@
           <p:cNvPr id="6" name="页脚占位符 5">
             <a:extLst>
               <a:ext uri="{FF2B5EF4-FFF2-40B4-BE49-F238E27FC236}">
-                <a16:creationId xmlns:a16="http://schemas.microsoft.com/office/drawing/2014/main" id="{A5F24DB2-111F-982B-4C2B-65090C8E5693}"/>
+                <a16:creationId xmlns:a16="http://schemas.microsoft.com/office/drawing/2014/main" id="{C85C47C5-33FA-D58D-C484-65FD8CE5F92A}"/>
               </a:ext>
             </a:extLst>
           </p:cNvPr>
@@ -2699,7 +2699,7 @@
           <p:cNvPr id="7" name="灯片编号占位符 6">
             <a:extLst>
               <a:ext uri="{FF2B5EF4-FFF2-40B4-BE49-F238E27FC236}">
-                <a16:creationId xmlns:a16="http://schemas.microsoft.com/office/drawing/2014/main" id="{D68C7B85-56AF-652E-A3C9-CBF5C39A5E26}"/>
+                <a16:creationId xmlns:a16="http://schemas.microsoft.com/office/drawing/2014/main" id="{15FFB0FA-7826-98C7-7CB0-44494F95D981}"/>
               </a:ext>
             </a:extLst>
           </p:cNvPr>
@@ -2715,7 +2715,7 @@
           <a:bodyPr/>
           <a:lstStyle/>
           <a:p>
-            <a:fld id="{33B01DED-FC3C-43EF-8FAE-AC6BC0A7C221}" type="slidenum">
+            <a:fld id="{6E835FEF-F5B6-4A4A-83B4-369FFE0A51BD}" type="slidenum">
               <a:rPr lang="zh-CN" altLang="en-US" smtClean="0"/>
               <a:t>‹#›</a:t>
             </a:fld>
@@ -2726,7 +2726,7 @@
     </p:spTree>
     <p:extLst>
       <p:ext uri="{BB962C8B-B14F-4D97-AF65-F5344CB8AC3E}">
-        <p14:creationId xmlns:p14="http://schemas.microsoft.com/office/powerpoint/2010/main" val="2022612014"/>
+        <p14:creationId xmlns:p14="http://schemas.microsoft.com/office/powerpoint/2010/main" val="667560715"/>
       </p:ext>
     </p:extLst>
   </p:cSld>
@@ -2763,7 +2763,7 @@
           <p:cNvPr id="2" name="标题占位符 1">
             <a:extLst>
               <a:ext uri="{FF2B5EF4-FFF2-40B4-BE49-F238E27FC236}">
-                <a16:creationId xmlns:a16="http://schemas.microsoft.com/office/drawing/2014/main" id="{1A707F19-679D-C807-5564-7E0E862C1002}"/>
+                <a16:creationId xmlns:a16="http://schemas.microsoft.com/office/drawing/2014/main" id="{8491CE83-545E-07B3-0FAE-6CA8A2ADA3C7}"/>
               </a:ext>
             </a:extLst>
           </p:cNvPr>
@@ -2801,7 +2801,7 @@
           <p:cNvPr id="3" name="文本占位符 2">
             <a:extLst>
               <a:ext uri="{FF2B5EF4-FFF2-40B4-BE49-F238E27FC236}">
-                <a16:creationId xmlns:a16="http://schemas.microsoft.com/office/drawing/2014/main" id="{8A7B146C-C4A8-F227-5F2A-3454997DB848}"/>
+                <a16:creationId xmlns:a16="http://schemas.microsoft.com/office/drawing/2014/main" id="{1FD0A69D-7CAE-5BBF-6F10-FAA55E727BFB}"/>
               </a:ext>
             </a:extLst>
           </p:cNvPr>
@@ -2868,7 +2868,7 @@
           <p:cNvPr id="4" name="日期占位符 3">
             <a:extLst>
               <a:ext uri="{FF2B5EF4-FFF2-40B4-BE49-F238E27FC236}">
-                <a16:creationId xmlns:a16="http://schemas.microsoft.com/office/drawing/2014/main" id="{804CA0C7-C5C7-BEA6-28E4-8EFD84F9630F}"/>
+                <a16:creationId xmlns:a16="http://schemas.microsoft.com/office/drawing/2014/main" id="{C1DF81F0-B4AA-A252-1E64-95F506DD6425}"/>
               </a:ext>
             </a:extLst>
           </p:cNvPr>
@@ -2902,7 +2902,7 @@
             </a:lvl1pPr>
           </a:lstStyle>
           <a:p>
-            <a:fld id="{B72B399C-5F94-4303-B334-330DAFE57C67}" type="datetimeFigureOut">
+            <a:fld id="{3C1A58A6-CC5D-49DB-A665-FA1804817AFA}" type="datetimeFigureOut">
               <a:rPr lang="zh-CN" altLang="en-US" smtClean="0"/>
               <a:t>2024/3/10</a:t>
             </a:fld>
@@ -2915,7 +2915,7 @@
           <p:cNvPr id="5" name="页脚占位符 4">
             <a:extLst>
               <a:ext uri="{FF2B5EF4-FFF2-40B4-BE49-F238E27FC236}">
-                <a16:creationId xmlns:a16="http://schemas.microsoft.com/office/drawing/2014/main" id="{4D24E30C-8B9F-3163-1B6D-AF2648E0C371}"/>
+                <a16:creationId xmlns:a16="http://schemas.microsoft.com/office/drawing/2014/main" id="{F07EAD8B-C475-6233-100B-B40135027099}"/>
               </a:ext>
             </a:extLst>
           </p:cNvPr>
@@ -2958,7 +2958,7 @@
           <p:cNvPr id="6" name="灯片编号占位符 5">
             <a:extLst>
               <a:ext uri="{FF2B5EF4-FFF2-40B4-BE49-F238E27FC236}">
-                <a16:creationId xmlns:a16="http://schemas.microsoft.com/office/drawing/2014/main" id="{BE6CBE4E-9ADA-A19D-6B4F-650E9CBFA553}"/>
+                <a16:creationId xmlns:a16="http://schemas.microsoft.com/office/drawing/2014/main" id="{31078BFC-179B-E2A1-0E31-F4A8667C8E24}"/>
               </a:ext>
             </a:extLst>
           </p:cNvPr>
@@ -2992,7 +2992,7 @@
             </a:lvl1pPr>
           </a:lstStyle>
           <a:p>
-            <a:fld id="{33B01DED-FC3C-43EF-8FAE-AC6BC0A7C221}" type="slidenum">
+            <a:fld id="{6E835FEF-F5B6-4A4A-83B4-369FFE0A51BD}" type="slidenum">
               <a:rPr lang="zh-CN" altLang="en-US" smtClean="0"/>
               <a:t>‹#›</a:t>
             </a:fld>
@@ -3003,7 +3003,7 @@
     </p:spTree>
     <p:extLst>
       <p:ext uri="{BB962C8B-B14F-4D97-AF65-F5344CB8AC3E}">
-        <p14:creationId xmlns:p14="http://schemas.microsoft.com/office/powerpoint/2010/main" val="3520641538"/>
+        <p14:creationId xmlns:p14="http://schemas.microsoft.com/office/powerpoint/2010/main" val="1013010175"/>
       </p:ext>
     </p:extLst>
   </p:cSld>
@@ -3323,7 +3323,7 @@
       </p:grpSpPr>
       <p:pic>
         <p:nvPicPr>
-          <p:cNvPr id="1229826" name="Picture 2" descr="1200"/>
+          <p:cNvPr id="1230850" name="Picture 2" descr="1201"/>
           <p:cNvPicPr>
             <a:picLocks noChangeAspect="1" noChangeArrowheads="1"/>
           </p:cNvPicPr>
@@ -3344,8 +3344,8 @@
         </p:blipFill>
         <p:spPr bwMode="auto">
           <a:xfrm>
-            <a:off x="1543050" y="14288"/>
-            <a:ext cx="9124950" cy="6843712"/>
+            <a:off x="1524000" y="1"/>
+            <a:ext cx="9124950" cy="6843713"/>
           </a:xfrm>
           <a:prstGeom prst="rect">
             <a:avLst/>
@@ -3375,11 +3375,158 @@
           </a:extLst>
         </p:spPr>
       </p:pic>
+      <p:pic>
+        <p:nvPicPr>
+          <p:cNvPr id="1231875" name="Picture 3" descr="1201-2"/>
+          <p:cNvPicPr>
+            <a:picLocks noChangeAspect="1" noChangeArrowheads="1"/>
+          </p:cNvPicPr>
+          <p:nvPr/>
+        </p:nvPicPr>
+        <p:blipFill>
+          <a:blip r:embed="rId3">
+            <a:extLst>
+              <a:ext uri="{28A0092B-C50C-407E-A947-70E740481C1C}">
+                <a14:useLocalDpi xmlns:a14="http://schemas.microsoft.com/office/drawing/2010/main" val="0"/>
+              </a:ext>
+            </a:extLst>
+          </a:blip>
+          <a:srcRect/>
+          <a:stretch>
+            <a:fillRect/>
+          </a:stretch>
+        </p:blipFill>
+        <p:spPr bwMode="auto">
+          <a:xfrm>
+            <a:off x="1524000" y="44450"/>
+            <a:ext cx="9124950" cy="6845300"/>
+          </a:xfrm>
+          <a:prstGeom prst="rect">
+            <a:avLst/>
+          </a:prstGeom>
+          <a:noFill/>
+          <a:ln>
+            <a:noFill/>
+          </a:ln>
+          <a:effectLst/>
+          <a:extLst>
+            <a:ext uri="{909E8E84-426E-40DD-AFC4-6F175D3DCCD1}">
+              <a14:hiddenFill xmlns:a14="http://schemas.microsoft.com/office/drawing/2010/main">
+                <a:solidFill>
+                  <a:srgbClr val="FFFFFF"/>
+                </a:solidFill>
+              </a14:hiddenFill>
+            </a:ext>
+            <a:ext uri="{91240B29-F687-4F45-9708-019B960494DF}">
+              <a14:hiddenLine xmlns:a14="http://schemas.microsoft.com/office/drawing/2010/main" w="9525">
+                <a:solidFill>
+                  <a:srgbClr val="000000"/>
+                </a:solidFill>
+                <a:miter lim="800000"/>
+                <a:headEnd/>
+                <a:tailEnd/>
+              </a14:hiddenLine>
+            </a:ext>
+            <a:ext uri="{AF507438-7753-43E0-B8FC-AC1667EBCBE1}">
+              <a14:hiddenEffects xmlns:a14="http://schemas.microsoft.com/office/drawing/2010/main">
+                <a:effectLst>
+                  <a:outerShdw dist="35921" dir="2700000" algn="ctr" rotWithShape="0">
+                    <a:srgbClr val="808080"/>
+                  </a:outerShdw>
+                </a:effectLst>
+              </a14:hiddenEffects>
+            </a:ext>
+          </a:extLst>
+        </p:spPr>
+      </p:pic>
     </p:spTree>
   </p:cSld>
   <p:clrMapOvr>
     <a:masterClrMapping/>
   </p:clrMapOvr>
+  <p:timing>
+    <p:tnLst>
+      <p:par>
+        <p:cTn id="1" dur="indefinite" restart="never" nodeType="tmRoot">
+          <p:childTnLst>
+            <p:seq concurrent="1" nextAc="seek">
+              <p:cTn id="2" dur="indefinite" nodeType="mainSeq">
+                <p:childTnLst>
+                  <p:par>
+                    <p:cTn id="3" fill="hold" nodeType="clickPar">
+                      <p:stCondLst>
+                        <p:cond delay="indefinite"/>
+                      </p:stCondLst>
+                      <p:childTnLst>
+                        <p:par>
+                          <p:cTn id="4" fill="hold" nodeType="withGroup">
+                            <p:stCondLst>
+                              <p:cond delay="0"/>
+                            </p:stCondLst>
+                            <p:childTnLst>
+                              <p:par>
+                                <p:cTn id="5" presetID="10" presetClass="entr" presetSubtype="0" fill="hold" nodeType="clickEffect">
+                                  <p:stCondLst>
+                                    <p:cond delay="0"/>
+                                  </p:stCondLst>
+                                  <p:childTnLst>
+                                    <p:set>
+                                      <p:cBhvr>
+                                        <p:cTn id="6" dur="1" fill="hold">
+                                          <p:stCondLst>
+                                            <p:cond delay="0"/>
+                                          </p:stCondLst>
+                                        </p:cTn>
+                                        <p:tgtEl>
+                                          <p:spTgt spid="1231875"/>
+                                        </p:tgtEl>
+                                        <p:attrNameLst>
+                                          <p:attrName>style.visibility</p:attrName>
+                                        </p:attrNameLst>
+                                      </p:cBhvr>
+                                      <p:to>
+                                        <p:strVal val="visible"/>
+                                      </p:to>
+                                    </p:set>
+                                    <p:animEffect transition="in" filter="fade">
+                                      <p:cBhvr>
+                                        <p:cTn id="7" dur="500"/>
+                                        <p:tgtEl>
+                                          <p:spTgt spid="1231875"/>
+                                        </p:tgtEl>
+                                      </p:cBhvr>
+                                    </p:animEffect>
+                                  </p:childTnLst>
+                                </p:cTn>
+                              </p:par>
+                            </p:childTnLst>
+                          </p:cTn>
+                        </p:par>
+                      </p:childTnLst>
+                    </p:cTn>
+                  </p:par>
+                </p:childTnLst>
+              </p:cTn>
+              <p:prevCondLst>
+                <p:cond evt="onPrev" delay="0">
+                  <p:tgtEl>
+                    <p:sldTgt/>
+                  </p:tgtEl>
+                </p:cond>
+              </p:prevCondLst>
+              <p:nextCondLst>
+                <p:cond evt="onNext" delay="0">
+                  <p:tgtEl>
+                    <p:sldTgt/>
+                  </p:tgtEl>
+                </p:cond>
+              </p:nextCondLst>
+            </p:seq>
+          </p:childTnLst>
+        </p:cTn>
+      </p:par>
+    </p:tnLst>
+  </p:timing>
 </p:sld>
 </file>
 
